--- a/system-analysis-design/slides/8-System Analysis and Design Course 2023 2nd Semester.pptx
+++ b/system-analysis-design/slides/8-System Analysis and Design Course 2023 2nd Semester.pptx
@@ -29144,15 +29144,9 @@
                 <a:solidFill>
                   <a:schemeClr val="tx1"/>
                 </a:solidFill>
-                <a:hlinkClick r:id="rId3">
-                  <a:extLst>
-                    <a:ext uri="{A12FA001-AC4F-418D-AE19-62706E023703}">
-                      <ahyp:hlinkClr xmlns:ahyp="http://schemas.microsoft.com/office/drawing/2018/hyperlinkcolor" val="tx"/>
-                    </a:ext>
-                  </a:extLst>
-                </a:hlinkClick>
+                <a:hlinkClick r:id="rId3"/>
               </a:rPr>
-              <a:t>Mariko Tagawa</a:t>
+              <a:t>Mariko Tagawa </a:t>
             </a:r>
             <a:r>
               <a:rPr lang="en-US" sz="1200" dirty="0">
@@ -29160,23 +29154,7 @@
                   <a:schemeClr val="tx1"/>
                 </a:solidFill>
               </a:rPr>
-              <a:t> (</a:t>
-            </a:r>
-            <a:r>
-              <a:rPr lang="en-US" sz="1200" dirty="0" err="1">
-                <a:solidFill>
-                  <a:schemeClr val="tx1"/>
-                </a:solidFill>
-              </a:rPr>
-              <a:t>marikotagawa@gmail.com</a:t>
-            </a:r>
-            <a:r>
-              <a:rPr lang="en-US" sz="1200" dirty="0">
-                <a:solidFill>
-                  <a:schemeClr val="tx1"/>
-                </a:solidFill>
-              </a:rPr>
-              <a:t>), JICA volunteer</a:t>
+              <a:t>, JICA volunteer</a:t>
             </a:r>
           </a:p>
         </p:txBody>
@@ -31863,30 +31841,18 @@
                 <a:ea typeface="MS PGothic" panose="020B0600070205080204" pitchFamily="34" charset="-128"/>
                 <a:hlinkClick r:id="rId3"/>
               </a:rPr>
-              <a:t>https://</a:t>
+              <a:t>https://forms.gle/H2cLABWdHoKFqv1s6</a:t>
             </a:r>
-            <a:r>
-              <a:rPr lang="en-US" sz="2000" dirty="0" err="1">
-                <a:solidFill>
-                  <a:schemeClr val="tx1"/>
-                </a:solidFill>
-                <a:latin typeface="MS PGothic" panose="020B0600070205080204" pitchFamily="34" charset="-128"/>
-                <a:ea typeface="MS PGothic" panose="020B0600070205080204" pitchFamily="34" charset="-128"/>
-                <a:hlinkClick r:id="rId3"/>
-              </a:rPr>
-              <a:t>forms.gle</a:t>
-            </a:r>
-            <a:r>
-              <a:rPr lang="en-US" sz="2000" dirty="0">
-                <a:solidFill>
-                  <a:schemeClr val="tx1"/>
-                </a:solidFill>
-                <a:latin typeface="MS PGothic" panose="020B0600070205080204" pitchFamily="34" charset="-128"/>
-                <a:ea typeface="MS PGothic" panose="020B0600070205080204" pitchFamily="34" charset="-128"/>
-                <a:hlinkClick r:id="rId3"/>
-              </a:rPr>
-              <a:t>/M3yujiFt63GtzHP49</a:t>
-            </a:r>
+            <a:endParaRPr lang="en-US" sz="2000" dirty="0">
+              <a:solidFill>
+                <a:schemeClr val="tx1"/>
+              </a:solidFill>
+              <a:latin typeface="MS PGothic" panose="020B0600070205080204" pitchFamily="34" charset="-128"/>
+              <a:ea typeface="MS PGothic" panose="020B0600070205080204" pitchFamily="34" charset="-128"/>
+            </a:endParaRPr>
+          </a:p>
+          <a:p>
+            <a:pPr marL="139700"/>
             <a:endParaRPr lang="en-US" sz="2000" dirty="0">
               <a:solidFill>
                 <a:schemeClr val="tx1"/>
@@ -33172,7 +33138,7 @@
                 <a:ea typeface="MS PGothic" panose="020B0600070205080204" pitchFamily="34" charset="-128"/>
                 <a:hlinkClick r:id="rId3"/>
               </a:rPr>
-              <a:t>https://forms.gle/SM8e6N6CGR419p5z5</a:t>
+              <a:t>https://forms.gle/kn65vd9aZMzoMWvt7</a:t>
             </a:r>
             <a:endParaRPr lang="en-US" sz="2000" dirty="0">
               <a:solidFill>
@@ -36941,40 +36907,29 @@
                 <a:ea typeface="MS PGothic" panose="020B0600070205080204" pitchFamily="34" charset="-128"/>
                 <a:hlinkClick r:id="rId3"/>
               </a:rPr>
-              <a:t>https://</a:t>
+              <a:t>https://forms.gle/Zh7t6rb5xCPHoxEt9</a:t>
             </a:r>
-            <a:r>
-              <a:rPr lang="en-US" altLang="ja-JP" sz="1600" dirty="0" err="1">
-                <a:solidFill>
-                  <a:schemeClr val="tx1"/>
-                </a:solidFill>
-                <a:latin typeface="MS PGothic" panose="020B0600070205080204" pitchFamily="34" charset="-128"/>
-                <a:ea typeface="MS PGothic" panose="020B0600070205080204" pitchFamily="34" charset="-128"/>
-                <a:hlinkClick r:id="rId3"/>
-              </a:rPr>
-              <a:t>forms.gle</a:t>
-            </a:r>
-            <a:r>
-              <a:rPr lang="en-US" altLang="ja-JP" sz="1600" dirty="0">
-                <a:solidFill>
-                  <a:schemeClr val="tx1"/>
-                </a:solidFill>
-                <a:latin typeface="MS PGothic" panose="020B0600070205080204" pitchFamily="34" charset="-128"/>
-                <a:ea typeface="MS PGothic" panose="020B0600070205080204" pitchFamily="34" charset="-128"/>
-                <a:hlinkClick r:id="rId3"/>
-              </a:rPr>
-              <a:t>/oguLMJX2Ex6cEtiD7</a:t>
-            </a:r>
-            <a:br>
-              <a:rPr lang="en-US" altLang="ja-JP" sz="1600" dirty="0">
-                <a:solidFill>
-                  <a:schemeClr val="tx1"/>
-                </a:solidFill>
-                <a:latin typeface="MS PGothic" panose="020B0600070205080204" pitchFamily="34" charset="-128"/>
-                <a:ea typeface="MS PGothic" panose="020B0600070205080204" pitchFamily="34" charset="-128"/>
-              </a:rPr>
-            </a:br>
             <a:endParaRPr lang="en-US" altLang="ja-JP" sz="1600" dirty="0">
+              <a:solidFill>
+                <a:schemeClr val="tx1"/>
+              </a:solidFill>
+              <a:latin typeface="MS PGothic" panose="020B0600070205080204" pitchFamily="34" charset="-128"/>
+              <a:ea typeface="MS PGothic" panose="020B0600070205080204" pitchFamily="34" charset="-128"/>
+            </a:endParaRPr>
+          </a:p>
+          <a:p>
+            <a:pPr>
+              <a:spcBef>
+                <a:spcPts val="600"/>
+              </a:spcBef>
+              <a:spcAft>
+                <a:spcPts val="600"/>
+              </a:spcAft>
+              <a:buClr>
+                <a:schemeClr val="tx1"/>
+              </a:buClr>
+            </a:pPr>
+            <a:endParaRPr lang="en-US" altLang="ja-JP" sz="1600">
               <a:solidFill>
                 <a:schemeClr val="tx1"/>
               </a:solidFill>
